--- a/Introduction to Computational Drug Discovery Project.pptx
+++ b/Introduction to Computational Drug Discovery Project.pptx
@@ -10735,7 +10735,7 @@
           <a:p>
             <a:fld id="{200E9D1A-8EAC-4B80-B5C1-6F268FC4EA23}" type="datetimeFigureOut">
               <a:rPr lang="en-US" smtClean="0"/>
-              <a:t>8/17/2024</a:t>
+              <a:t>8/18/2024</a:t>
             </a:fld>
             <a:endParaRPr lang="en-US"/>
           </a:p>
@@ -11463,7 +11463,7 @@
           <a:p>
             <a:fld id="{92538219-6E45-4D12-B767-46F92D5844D4}" type="datetime1">
               <a:rPr lang="en-US" smtClean="0"/>
-              <a:t>8/17/2024</a:t>
+              <a:t>8/18/2024</a:t>
             </a:fld>
             <a:endParaRPr lang="en-US"/>
           </a:p>
@@ -11661,7 +11661,7 @@
           <a:p>
             <a:fld id="{836430B8-6059-41E5-A5DC-C07A76F5859A}" type="datetime1">
               <a:rPr lang="en-US" smtClean="0"/>
-              <a:t>8/17/2024</a:t>
+              <a:t>8/18/2024</a:t>
             </a:fld>
             <a:endParaRPr lang="en-US"/>
           </a:p>
@@ -11923,7 +11923,7 @@
           <a:p>
             <a:fld id="{A09D0CB7-D16E-4358-B7F4-EA4A24554592}" type="datetime1">
               <a:rPr lang="en-US" smtClean="0"/>
-              <a:t>8/17/2024</a:t>
+              <a:t>8/18/2024</a:t>
             </a:fld>
             <a:endParaRPr lang="en-US"/>
           </a:p>
@@ -12139,7 +12139,7 @@
           <a:p>
             <a:fld id="{8BB296A2-D8F0-4E17-BFD0-A6C902250D59}" type="datetime1">
               <a:rPr lang="en-US" smtClean="0"/>
-              <a:t>8/17/2024</a:t>
+              <a:t>8/18/2024</a:t>
             </a:fld>
             <a:endParaRPr lang="en-US"/>
           </a:p>
@@ -12469,7 +12469,7 @@
           <a:p>
             <a:fld id="{D9108C9C-1ACB-4C84-A002-C7E0E45B937A}" type="datetime1">
               <a:rPr lang="en-US" smtClean="0"/>
-              <a:t>8/17/2024</a:t>
+              <a:t>8/18/2024</a:t>
             </a:fld>
             <a:endParaRPr lang="en-US"/>
           </a:p>
@@ -12742,7 +12742,7 @@
           <a:p>
             <a:fld id="{F49AF2A5-B297-4977-9E5B-4D3050E23689}" type="datetime1">
               <a:rPr lang="en-US" smtClean="0"/>
-              <a:t>8/17/2024</a:t>
+              <a:t>8/18/2024</a:t>
             </a:fld>
             <a:endParaRPr lang="en-US"/>
           </a:p>
@@ -13157,7 +13157,7 @@
           <a:p>
             <a:fld id="{70127434-4794-409A-9547-04789BA47588}" type="datetime1">
               <a:rPr lang="en-US" smtClean="0"/>
-              <a:t>8/17/2024</a:t>
+              <a:t>8/18/2024</a:t>
             </a:fld>
             <a:endParaRPr lang="en-US"/>
           </a:p>
@@ -13298,7 +13298,7 @@
           <a:p>
             <a:fld id="{85658635-357A-4E3D-B824-A5CEFDB8449C}" type="datetime1">
               <a:rPr lang="en-US" smtClean="0"/>
-              <a:t>8/17/2024</a:t>
+              <a:t>8/18/2024</a:t>
             </a:fld>
             <a:endParaRPr lang="en-US"/>
           </a:p>
@@ -13411,7 +13411,7 @@
           <a:p>
             <a:fld id="{7E86FF77-2719-4AD0-8740-0B90FF5D1EFB}" type="datetime1">
               <a:rPr lang="en-US" smtClean="0"/>
-              <a:t>8/17/2024</a:t>
+              <a:t>8/18/2024</a:t>
             </a:fld>
             <a:endParaRPr lang="en-US"/>
           </a:p>
@@ -13907,7 +13907,7 @@
           <a:p>
             <a:fld id="{6E441C83-1089-48B9-8B65-293D4C236D35}" type="datetime1">
               <a:rPr lang="en-US" smtClean="0"/>
-              <a:t>8/17/2024</a:t>
+              <a:t>8/18/2024</a:t>
             </a:fld>
             <a:endParaRPr lang="en-US"/>
           </a:p>
@@ -14383,7 +14383,7 @@
           <a:p>
             <a:fld id="{D162FE45-CC1E-47DB-8B82-6CF0636FBDB8}" type="datetime1">
               <a:rPr lang="en-US" smtClean="0"/>
-              <a:t>8/17/2024</a:t>
+              <a:t>8/18/2024</a:t>
             </a:fld>
             <a:endParaRPr lang="en-US"/>
           </a:p>
@@ -14678,7 +14678,7 @@
           <a:p>
             <a:fld id="{51FC8E16-3C03-4238-9C6F-B34F3D10F77E}" type="datetime1">
               <a:rPr lang="en-US" smtClean="0"/>
-              <a:t>8/17/2024</a:t>
+              <a:t>8/18/2024</a:t>
             </a:fld>
             <a:endParaRPr lang="en-US" dirty="0"/>
           </a:p>
@@ -15584,21 +15584,17 @@
             </a:r>
             <a:r>
               <a:rPr lang="en-US" sz="1700" dirty="0"/>
-              <a:t> LLC as DevOps </a:t>
+              <a:t> LLC as </a:t>
             </a:r>
             <a:r>
-              <a:rPr lang="en-US" sz="1700" dirty="0" err="1"/>
-              <a:t>Enigneer</a:t>
+              <a:rPr lang="en-US" sz="1700"/>
+              <a:t>DevOps Engineer</a:t>
             </a:r>
             <a:r>
               <a:rPr lang="en-US" sz="1700" dirty="0"/>
-              <a:t>, where I gained hands-on experience in DevOps and software engineering. </a:t>
+              <a:t>, where I gained hands-on experience in DevOps and software engineering. I am passionate about leveraging technology to drive efficiency and innovation.</a:t>
             </a:r>
-            <a:r>
-              <a:rPr lang="en-US" sz="1700"/>
-              <a:t>I am passionate about leveraging technology to drive efficiency and innovation.</a:t>
-            </a:r>
-            <a:endParaRPr kumimoji="0" lang="en-US" altLang="en-US" sz="1700" b="0" i="0" u="none" strike="noStrike" cap="none" normalizeH="0" baseline="0">
+            <a:endParaRPr kumimoji="0" lang="en-US" altLang="en-US" sz="1700" b="0" i="0" u="none" strike="noStrike" cap="none" normalizeH="0" baseline="0" dirty="0">
               <a:ln>
                 <a:noFill/>
               </a:ln>
